--- a/laravel+ionic/laravel+ionic-presentation.pptx
+++ b/laravel+ionic/laravel+ionic-presentation.pptx
@@ -5,7 +5,7 @@
     <p:sldMasterId id="2147483648" r:id="rId1"/>
   </p:sldMasterIdLst>
   <p:notesMasterIdLst>
-    <p:notesMasterId r:id="rId31"/>
+    <p:notesMasterId r:id="rId32"/>
   </p:notesMasterIdLst>
   <p:sldIdLst>
     <p:sldId id="256" r:id="rId2"/>
@@ -34,9 +34,10 @@
     <p:sldId id="279" r:id="rId25"/>
     <p:sldId id="280" r:id="rId26"/>
     <p:sldId id="281" r:id="rId27"/>
-    <p:sldId id="283" r:id="rId28"/>
-    <p:sldId id="285" r:id="rId29"/>
-    <p:sldId id="284" r:id="rId30"/>
+    <p:sldId id="286" r:id="rId28"/>
+    <p:sldId id="283" r:id="rId29"/>
+    <p:sldId id="285" r:id="rId30"/>
+    <p:sldId id="284" r:id="rId31"/>
   </p:sldIdLst>
   <p:sldSz cx="9144000" cy="6667500"/>
   <p:notesSz cx="6858000" cy="9144000"/>
@@ -338,6 +339,11 @@
       </a:defRPr>
     </a:lvl9pPr>
   </p:defaultTextStyle>
+  <p:extLst>
+    <p:ext uri="{EFAFB233-063F-42B5-8137-9DF3F51BA10A}">
+      <p15:sldGuideLst xmlns:p15="http://schemas.microsoft.com/office/powerpoint/2012/main"/>
+    </p:ext>
+  </p:extLst>
 </p:presentation>
 </file>
 
@@ -2787,7 +2793,7 @@
           </a:ln>
           <a:extLst>
             <a:ext uri="{C572A759-6A51-4108-AA02-DFA0A04FC94B}">
-              <ma14:wrappingTextBoxFlag xmlns:ma14="http://schemas.microsoft.com/office/mac/drawingml/2011/main" xmlns="" val="1"/>
+              <ma14:wrappingTextBoxFlag xmlns="" xmlns:ma14="http://schemas.microsoft.com/office/mac/drawingml/2011/main" val="1"/>
             </a:ext>
           </a:extLst>
         </p:spPr>
@@ -2827,7 +2833,7 @@
           </a:ln>
           <a:extLst>
             <a:ext uri="{C572A759-6A51-4108-AA02-DFA0A04FC94B}">
-              <ma14:wrappingTextBoxFlag xmlns:ma14="http://schemas.microsoft.com/office/mac/drawingml/2011/main" xmlns="" val="1"/>
+              <ma14:wrappingTextBoxFlag xmlns="" xmlns:ma14="http://schemas.microsoft.com/office/mac/drawingml/2011/main" val="1"/>
             </a:ext>
           </a:extLst>
         </p:spPr>
@@ -3769,7 +3775,7 @@
           </a:ln>
           <a:extLst>
             <a:ext uri="{C572A759-6A51-4108-AA02-DFA0A04FC94B}">
-              <ma14:wrappingTextBoxFlag xmlns:ma14="http://schemas.microsoft.com/office/mac/drawingml/2011/main" xmlns="" val="1"/>
+              <ma14:wrappingTextBoxFlag xmlns="" xmlns:ma14="http://schemas.microsoft.com/office/mac/drawingml/2011/main" val="1"/>
             </a:ext>
           </a:extLst>
         </p:spPr>
@@ -3831,7 +3837,7 @@
           </a:ln>
           <a:extLst>
             <a:ext uri="{C572A759-6A51-4108-AA02-DFA0A04FC94B}">
-              <ma14:wrappingTextBoxFlag xmlns:ma14="http://schemas.microsoft.com/office/mac/drawingml/2011/main" xmlns="" val="1"/>
+              <ma14:wrappingTextBoxFlag xmlns="" xmlns:ma14="http://schemas.microsoft.com/office/mac/drawingml/2011/main" val="1"/>
             </a:ext>
           </a:extLst>
         </p:spPr>
@@ -3974,7 +3980,7 @@
           </a:ln>
           <a:extLst>
             <a:ext uri="{C572A759-6A51-4108-AA02-DFA0A04FC94B}">
-              <ma14:wrappingTextBoxFlag xmlns:ma14="http://schemas.microsoft.com/office/mac/drawingml/2011/main" xmlns="" val="1"/>
+              <ma14:wrappingTextBoxFlag xmlns="" xmlns:ma14="http://schemas.microsoft.com/office/mac/drawingml/2011/main" val="1"/>
             </a:ext>
           </a:extLst>
         </p:spPr>
@@ -4050,7 +4056,7 @@
           </a:ln>
           <a:extLst>
             <a:ext uri="{C572A759-6A51-4108-AA02-DFA0A04FC94B}">
-              <ma14:wrappingTextBoxFlag xmlns:ma14="http://schemas.microsoft.com/office/mac/drawingml/2011/main" xmlns="" val="1"/>
+              <ma14:wrappingTextBoxFlag xmlns="" xmlns:ma14="http://schemas.microsoft.com/office/mac/drawingml/2011/main" val="1"/>
             </a:ext>
           </a:extLst>
         </p:spPr>
@@ -4159,7 +4165,7 @@
           </a:ln>
           <a:extLst>
             <a:ext uri="{C572A759-6A51-4108-AA02-DFA0A04FC94B}">
-              <ma14:wrappingTextBoxFlag xmlns:ma14="http://schemas.microsoft.com/office/mac/drawingml/2011/main" xmlns="" val="1"/>
+              <ma14:wrappingTextBoxFlag xmlns="" xmlns:ma14="http://schemas.microsoft.com/office/mac/drawingml/2011/main" val="1"/>
             </a:ext>
           </a:extLst>
         </p:spPr>
@@ -4264,7 +4270,7 @@
           </a:ln>
           <a:extLst>
             <a:ext uri="{C572A759-6A51-4108-AA02-DFA0A04FC94B}">
-              <ma14:wrappingTextBoxFlag xmlns:ma14="http://schemas.microsoft.com/office/mac/drawingml/2011/main" xmlns="" val="1"/>
+              <ma14:wrappingTextBoxFlag xmlns="" xmlns:ma14="http://schemas.microsoft.com/office/mac/drawingml/2011/main" val="1"/>
             </a:ext>
           </a:extLst>
         </p:spPr>
@@ -4373,7 +4379,7 @@
           </a:ln>
           <a:extLst>
             <a:ext uri="{C572A759-6A51-4108-AA02-DFA0A04FC94B}">
-              <ma14:wrappingTextBoxFlag xmlns:ma14="http://schemas.microsoft.com/office/mac/drawingml/2011/main" xmlns="" val="1"/>
+              <ma14:wrappingTextBoxFlag xmlns="" xmlns:ma14="http://schemas.microsoft.com/office/mac/drawingml/2011/main" val="1"/>
             </a:ext>
           </a:extLst>
         </p:spPr>
@@ -4453,7 +4459,7 @@
           </a:ln>
           <a:extLst>
             <a:ext uri="{C572A759-6A51-4108-AA02-DFA0A04FC94B}">
-              <ma14:wrappingTextBoxFlag xmlns:ma14="http://schemas.microsoft.com/office/mac/drawingml/2011/main" xmlns="" val="1"/>
+              <ma14:wrappingTextBoxFlag xmlns="" xmlns:ma14="http://schemas.microsoft.com/office/mac/drawingml/2011/main" val="1"/>
             </a:ext>
           </a:extLst>
         </p:spPr>
@@ -4533,7 +4539,7 @@
           </a:ln>
           <a:extLst>
             <a:ext uri="{C572A759-6A51-4108-AA02-DFA0A04FC94B}">
-              <ma14:wrappingTextBoxFlag xmlns:ma14="http://schemas.microsoft.com/office/mac/drawingml/2011/main" xmlns="" val="1"/>
+              <ma14:wrappingTextBoxFlag xmlns="" xmlns:ma14="http://schemas.microsoft.com/office/mac/drawingml/2011/main" val="1"/>
             </a:ext>
           </a:extLst>
         </p:spPr>
@@ -4615,7 +4621,7 @@
           </a:ln>
           <a:extLst>
             <a:ext uri="{C572A759-6A51-4108-AA02-DFA0A04FC94B}">
-              <ma14:wrappingTextBoxFlag xmlns:ma14="http://schemas.microsoft.com/office/mac/drawingml/2011/main" xmlns="" val="1"/>
+              <ma14:wrappingTextBoxFlag xmlns="" xmlns:ma14="http://schemas.microsoft.com/office/mac/drawingml/2011/main" val="1"/>
             </a:ext>
           </a:extLst>
         </p:spPr>
@@ -4852,7 +4858,7 @@
           </a:ln>
           <a:extLst>
             <a:ext uri="{C572A759-6A51-4108-AA02-DFA0A04FC94B}">
-              <ma14:wrappingTextBoxFlag xmlns:ma14="http://schemas.microsoft.com/office/mac/drawingml/2011/main" xmlns="" val="1"/>
+              <ma14:wrappingTextBoxFlag xmlns="" xmlns:ma14="http://schemas.microsoft.com/office/mac/drawingml/2011/main" val="1"/>
             </a:ext>
           </a:extLst>
         </p:spPr>
@@ -4935,7 +4941,7 @@
           </a:ln>
           <a:extLst>
             <a:ext uri="{C572A759-6A51-4108-AA02-DFA0A04FC94B}">
-              <ma14:wrappingTextBoxFlag xmlns:ma14="http://schemas.microsoft.com/office/mac/drawingml/2011/main" xmlns="" val="1"/>
+              <ma14:wrappingTextBoxFlag xmlns="" xmlns:ma14="http://schemas.microsoft.com/office/mac/drawingml/2011/main" val="1"/>
             </a:ext>
           </a:extLst>
         </p:spPr>
@@ -5062,7 +5068,7 @@
           </a:ln>
           <a:extLst>
             <a:ext uri="{C572A759-6A51-4108-AA02-DFA0A04FC94B}">
-              <ma14:wrappingTextBoxFlag xmlns:ma14="http://schemas.microsoft.com/office/mac/drawingml/2011/main" xmlns="" val="1"/>
+              <ma14:wrappingTextBoxFlag xmlns="" xmlns:ma14="http://schemas.microsoft.com/office/mac/drawingml/2011/main" val="1"/>
             </a:ext>
           </a:extLst>
         </p:spPr>
@@ -5157,7 +5163,7 @@
           </a:ln>
           <a:extLst>
             <a:ext uri="{C572A759-6A51-4108-AA02-DFA0A04FC94B}">
-              <ma14:wrappingTextBoxFlag xmlns:ma14="http://schemas.microsoft.com/office/mac/drawingml/2011/main" xmlns="" val="1"/>
+              <ma14:wrappingTextBoxFlag xmlns="" xmlns:ma14="http://schemas.microsoft.com/office/mac/drawingml/2011/main" val="1"/>
             </a:ext>
           </a:extLst>
         </p:spPr>
@@ -5259,7 +5265,7 @@
           </a:ln>
           <a:extLst>
             <a:ext uri="{C572A759-6A51-4108-AA02-DFA0A04FC94B}">
-              <ma14:wrappingTextBoxFlag xmlns:ma14="http://schemas.microsoft.com/office/mac/drawingml/2011/main" xmlns="" val="1"/>
+              <ma14:wrappingTextBoxFlag xmlns="" xmlns:ma14="http://schemas.microsoft.com/office/mac/drawingml/2011/main" val="1"/>
             </a:ext>
           </a:extLst>
         </p:spPr>
@@ -5375,7 +5381,7 @@
           </a:ln>
           <a:extLst>
             <a:ext uri="{C572A759-6A51-4108-AA02-DFA0A04FC94B}">
-              <ma14:wrappingTextBoxFlag xmlns:ma14="http://schemas.microsoft.com/office/mac/drawingml/2011/main" xmlns="" val="1"/>
+              <ma14:wrappingTextBoxFlag xmlns="" xmlns:ma14="http://schemas.microsoft.com/office/mac/drawingml/2011/main" val="1"/>
             </a:ext>
           </a:extLst>
         </p:spPr>
@@ -5425,7 +5431,7 @@
           </a:ln>
           <a:extLst>
             <a:ext uri="{C572A759-6A51-4108-AA02-DFA0A04FC94B}">
-              <ma14:wrappingTextBoxFlag xmlns:ma14="http://schemas.microsoft.com/office/mac/drawingml/2011/main" xmlns="" val="1"/>
+              <ma14:wrappingTextBoxFlag xmlns="" xmlns:ma14="http://schemas.microsoft.com/office/mac/drawingml/2011/main" val="1"/>
             </a:ext>
           </a:extLst>
         </p:spPr>
@@ -5475,7 +5481,7 @@
           </a:ln>
           <a:extLst>
             <a:ext uri="{C572A759-6A51-4108-AA02-DFA0A04FC94B}">
-              <ma14:wrappingTextBoxFlag xmlns:ma14="http://schemas.microsoft.com/office/mac/drawingml/2011/main" xmlns="" val="1"/>
+              <ma14:wrappingTextBoxFlag xmlns="" xmlns:ma14="http://schemas.microsoft.com/office/mac/drawingml/2011/main" val="1"/>
             </a:ext>
           </a:extLst>
         </p:spPr>
@@ -5525,7 +5531,7 @@
           </a:ln>
           <a:extLst>
             <a:ext uri="{C572A759-6A51-4108-AA02-DFA0A04FC94B}">
-              <ma14:wrappingTextBoxFlag xmlns:ma14="http://schemas.microsoft.com/office/mac/drawingml/2011/main" xmlns="" val="1"/>
+              <ma14:wrappingTextBoxFlag xmlns="" xmlns:ma14="http://schemas.microsoft.com/office/mac/drawingml/2011/main" val="1"/>
             </a:ext>
           </a:extLst>
         </p:spPr>
@@ -5608,7 +5614,7 @@
           </a:ln>
           <a:extLst>
             <a:ext uri="{C572A759-6A51-4108-AA02-DFA0A04FC94B}">
-              <ma14:wrappingTextBoxFlag xmlns:ma14="http://schemas.microsoft.com/office/mac/drawingml/2011/main" xmlns="" val="1"/>
+              <ma14:wrappingTextBoxFlag xmlns="" xmlns:ma14="http://schemas.microsoft.com/office/mac/drawingml/2011/main" val="1"/>
             </a:ext>
           </a:extLst>
         </p:spPr>
@@ -5658,7 +5664,7 @@
           </a:ln>
           <a:extLst>
             <a:ext uri="{C572A759-6A51-4108-AA02-DFA0A04FC94B}">
-              <ma14:wrappingTextBoxFlag xmlns:ma14="http://schemas.microsoft.com/office/mac/drawingml/2011/main" xmlns="" val="1"/>
+              <ma14:wrappingTextBoxFlag xmlns="" xmlns:ma14="http://schemas.microsoft.com/office/mac/drawingml/2011/main" val="1"/>
             </a:ext>
           </a:extLst>
         </p:spPr>
@@ -5766,7 +5772,7 @@
           </a:ln>
           <a:extLst>
             <a:ext uri="{C572A759-6A51-4108-AA02-DFA0A04FC94B}">
-              <ma14:wrappingTextBoxFlag xmlns:ma14="http://schemas.microsoft.com/office/mac/drawingml/2011/main" xmlns="" val="1"/>
+              <ma14:wrappingTextBoxFlag xmlns="" xmlns:ma14="http://schemas.microsoft.com/office/mac/drawingml/2011/main" val="1"/>
             </a:ext>
           </a:extLst>
         </p:spPr>
@@ -5885,7 +5891,7 @@
           </a:ln>
           <a:extLst>
             <a:ext uri="{C572A759-6A51-4108-AA02-DFA0A04FC94B}">
-              <ma14:wrappingTextBoxFlag xmlns:ma14="http://schemas.microsoft.com/office/mac/drawingml/2011/main" xmlns="" val="1"/>
+              <ma14:wrappingTextBoxFlag xmlns="" xmlns:ma14="http://schemas.microsoft.com/office/mac/drawingml/2011/main" val="1"/>
             </a:ext>
           </a:extLst>
         </p:spPr>
@@ -5948,7 +5954,7 @@
           </a:ln>
           <a:extLst>
             <a:ext uri="{C572A759-6A51-4108-AA02-DFA0A04FC94B}">
-              <ma14:wrappingTextBoxFlag xmlns:ma14="http://schemas.microsoft.com/office/mac/drawingml/2011/main" xmlns="" val="1"/>
+              <ma14:wrappingTextBoxFlag xmlns="" xmlns:ma14="http://schemas.microsoft.com/office/mac/drawingml/2011/main" val="1"/>
             </a:ext>
           </a:extLst>
         </p:spPr>
@@ -6080,7 +6086,7 @@
           </a:ln>
           <a:extLst>
             <a:ext uri="{C572A759-6A51-4108-AA02-DFA0A04FC94B}">
-              <ma14:wrappingTextBoxFlag xmlns:ma14="http://schemas.microsoft.com/office/mac/drawingml/2011/main" xmlns="" val="1"/>
+              <ma14:wrappingTextBoxFlag xmlns="" xmlns:ma14="http://schemas.microsoft.com/office/mac/drawingml/2011/main" val="1"/>
             </a:ext>
           </a:extLst>
         </p:spPr>
@@ -6280,7 +6286,7 @@
           </a:ln>
           <a:extLst>
             <a:ext uri="{C572A759-6A51-4108-AA02-DFA0A04FC94B}">
-              <ma14:wrappingTextBoxFlag xmlns:ma14="http://schemas.microsoft.com/office/mac/drawingml/2011/main" xmlns="" val="1"/>
+              <ma14:wrappingTextBoxFlag xmlns="" xmlns:ma14="http://schemas.microsoft.com/office/mac/drawingml/2011/main" val="1"/>
             </a:ext>
           </a:extLst>
         </p:spPr>
@@ -6405,7 +6411,7 @@
           </a:ln>
           <a:extLst>
             <a:ext uri="{C572A759-6A51-4108-AA02-DFA0A04FC94B}">
-              <ma14:wrappingTextBoxFlag xmlns:ma14="http://schemas.microsoft.com/office/mac/drawingml/2011/main" xmlns="" val="1"/>
+              <ma14:wrappingTextBoxFlag xmlns="" xmlns:ma14="http://schemas.microsoft.com/office/mac/drawingml/2011/main" val="1"/>
             </a:ext>
           </a:extLst>
         </p:spPr>
@@ -6513,7 +6519,7 @@
           </a:ln>
           <a:extLst>
             <a:ext uri="{C572A759-6A51-4108-AA02-DFA0A04FC94B}">
-              <ma14:wrappingTextBoxFlag xmlns:ma14="http://schemas.microsoft.com/office/mac/drawingml/2011/main" xmlns="" val="1"/>
+              <ma14:wrappingTextBoxFlag xmlns="" xmlns:ma14="http://schemas.microsoft.com/office/mac/drawingml/2011/main" val="1"/>
             </a:ext>
           </a:extLst>
         </p:spPr>
@@ -6686,7 +6692,7 @@
           </a:ln>
           <a:extLst>
             <a:ext uri="{C572A759-6A51-4108-AA02-DFA0A04FC94B}">
-              <ma14:wrappingTextBoxFlag xmlns:ma14="http://schemas.microsoft.com/office/mac/drawingml/2011/main" xmlns="" val="1"/>
+              <ma14:wrappingTextBoxFlag xmlns="" xmlns:ma14="http://schemas.microsoft.com/office/mac/drawingml/2011/main" val="1"/>
             </a:ext>
           </a:extLst>
         </p:spPr>
@@ -6736,7 +6742,7 @@
           </a:ln>
           <a:extLst>
             <a:ext uri="{C572A759-6A51-4108-AA02-DFA0A04FC94B}">
-              <ma14:wrappingTextBoxFlag xmlns:ma14="http://schemas.microsoft.com/office/mac/drawingml/2011/main" xmlns="" val="1"/>
+              <ma14:wrappingTextBoxFlag xmlns="" xmlns:ma14="http://schemas.microsoft.com/office/mac/drawingml/2011/main" val="1"/>
             </a:ext>
           </a:extLst>
         </p:spPr>
@@ -6819,7 +6825,7 @@
           </a:ln>
           <a:extLst>
             <a:ext uri="{C572A759-6A51-4108-AA02-DFA0A04FC94B}">
-              <ma14:wrappingTextBoxFlag xmlns:ma14="http://schemas.microsoft.com/office/mac/drawingml/2011/main" xmlns="" val="1"/>
+              <ma14:wrappingTextBoxFlag xmlns="" xmlns:ma14="http://schemas.microsoft.com/office/mac/drawingml/2011/main" val="1"/>
             </a:ext>
           </a:extLst>
         </p:spPr>
@@ -6975,7 +6981,7 @@
           </a:ln>
           <a:extLst>
             <a:ext uri="{C572A759-6A51-4108-AA02-DFA0A04FC94B}">
-              <ma14:wrappingTextBoxFlag xmlns:ma14="http://schemas.microsoft.com/office/mac/drawingml/2011/main" xmlns="" val="1"/>
+              <ma14:wrappingTextBoxFlag xmlns="" xmlns:ma14="http://schemas.microsoft.com/office/mac/drawingml/2011/main" val="1"/>
             </a:ext>
           </a:extLst>
         </p:spPr>
@@ -7040,7 +7046,7 @@
           </a:ln>
           <a:extLst>
             <a:ext uri="{C572A759-6A51-4108-AA02-DFA0A04FC94B}">
-              <ma14:wrappingTextBoxFlag xmlns:ma14="http://schemas.microsoft.com/office/mac/drawingml/2011/main" xmlns="" val="1"/>
+              <ma14:wrappingTextBoxFlag xmlns="" xmlns:ma14="http://schemas.microsoft.com/office/mac/drawingml/2011/main" val="1"/>
             </a:ext>
           </a:extLst>
         </p:spPr>
@@ -7244,7 +7250,7 @@
           </a:ln>
           <a:extLst>
             <a:ext uri="{C572A759-6A51-4108-AA02-DFA0A04FC94B}">
-              <ma14:wrappingTextBoxFlag xmlns:ma14="http://schemas.microsoft.com/office/mac/drawingml/2011/main" xmlns="" val="1"/>
+              <ma14:wrappingTextBoxFlag xmlns="" xmlns:ma14="http://schemas.microsoft.com/office/mac/drawingml/2011/main" val="1"/>
             </a:ext>
           </a:extLst>
         </p:spPr>
@@ -7453,7 +7459,7 @@
           </a:ln>
           <a:extLst>
             <a:ext uri="{C572A759-6A51-4108-AA02-DFA0A04FC94B}">
-              <ma14:wrappingTextBoxFlag xmlns:ma14="http://schemas.microsoft.com/office/mac/drawingml/2011/main" xmlns="" val="1"/>
+              <ma14:wrappingTextBoxFlag xmlns="" xmlns:ma14="http://schemas.microsoft.com/office/mac/drawingml/2011/main" val="1"/>
             </a:ext>
           </a:extLst>
         </p:spPr>
@@ -7844,7 +7850,7 @@
           </a:ln>
           <a:extLst>
             <a:ext uri="{C572A759-6A51-4108-AA02-DFA0A04FC94B}">
-              <ma14:wrappingTextBoxFlag xmlns:ma14="http://schemas.microsoft.com/office/mac/drawingml/2011/main" xmlns="" val="1"/>
+              <ma14:wrappingTextBoxFlag xmlns="" xmlns:ma14="http://schemas.microsoft.com/office/mac/drawingml/2011/main" val="1"/>
             </a:ext>
           </a:extLst>
         </p:spPr>
@@ -8249,7 +8255,7 @@
           </a:ln>
           <a:extLst>
             <a:ext uri="{C572A759-6A51-4108-AA02-DFA0A04FC94B}">
-              <ma14:wrappingTextBoxFlag xmlns:ma14="http://schemas.microsoft.com/office/mac/drawingml/2011/main" xmlns="" val="1"/>
+              <ma14:wrappingTextBoxFlag xmlns="" xmlns:ma14="http://schemas.microsoft.com/office/mac/drawingml/2011/main" val="1"/>
             </a:ext>
           </a:extLst>
         </p:spPr>
@@ -8405,7 +8411,7 @@
           </a:ln>
           <a:extLst>
             <a:ext uri="{C572A759-6A51-4108-AA02-DFA0A04FC94B}">
-              <ma14:wrappingTextBoxFlag xmlns:ma14="http://schemas.microsoft.com/office/mac/drawingml/2011/main" xmlns="" val="1"/>
+              <ma14:wrappingTextBoxFlag xmlns="" xmlns:ma14="http://schemas.microsoft.com/office/mac/drawingml/2011/main" val="1"/>
             </a:ext>
           </a:extLst>
         </p:spPr>
@@ -8561,7 +8567,7 @@
           </a:ln>
           <a:extLst>
             <a:ext uri="{C572A759-6A51-4108-AA02-DFA0A04FC94B}">
-              <ma14:wrappingTextBoxFlag xmlns:ma14="http://schemas.microsoft.com/office/mac/drawingml/2011/main" xmlns="" val="1"/>
+              <ma14:wrappingTextBoxFlag xmlns="" xmlns:ma14="http://schemas.microsoft.com/office/mac/drawingml/2011/main" val="1"/>
             </a:ext>
           </a:extLst>
         </p:spPr>
@@ -8734,48 +8740,69 @@
       </p:grpSpPr>
       <p:sp>
         <p:nvSpPr>
-          <p:cNvPr id="346" name="Shape 346"/>
-          <p:cNvSpPr/>
-          <p:nvPr/>
+          <p:cNvPr id="2" name="Title 1"/>
+          <p:cNvSpPr>
+            <a:spLocks noGrp="1"/>
+          </p:cNvSpPr>
+          <p:nvPr>
+            <p:ph type="title"/>
+          </p:nvPr>
         </p:nvSpPr>
-        <p:spPr>
-          <a:xfrm>
-            <a:off x="3569315" y="3040378"/>
-            <a:ext cx="2005368" cy="586739"/>
-          </a:xfrm>
-          <a:prstGeom prst="rect">
-            <a:avLst/>
-          </a:prstGeom>
-          <a:ln w="12700">
-            <a:miter lim="400000"/>
-          </a:ln>
-          <a:extLst>
-            <a:ext uri="{C572A759-6A51-4108-AA02-DFA0A04FC94B}">
-              <ma14:wrappingTextBoxFlag xmlns:ma14="http://schemas.microsoft.com/office/mac/drawingml/2011/main" xmlns="" val="1"/>
-            </a:ext>
-          </a:extLst>
-        </p:spPr>
+        <p:spPr/>
         <p:txBody>
-          <a:bodyPr wrap="none" lIns="45718" tIns="45718" rIns="45718" bIns="45718">
-            <a:spAutoFit/>
-          </a:bodyPr>
-          <a:lstStyle>
-            <a:lvl1pPr>
-              <a:defRPr sz="3200">
-                <a:solidFill>
-                  <a:srgbClr val="FFFFFF"/>
-                </a:solidFill>
-                <a:latin typeface="Calibri"/>
-                <a:ea typeface="Calibri"/>
-                <a:cs typeface="Calibri"/>
-                <a:sym typeface="Calibri"/>
-              </a:defRPr>
-            </a:lvl1pPr>
-          </a:lstStyle>
-          <a:p>
-            <a:r>
+          <a:bodyPr/>
+          <a:lstStyle/>
+          <a:p>
+            <a:r>
+              <a:rPr lang="en-US" dirty="0" smtClean="0"/>
               <a:t>Demo Time</a:t>
             </a:r>
+            <a:endParaRPr lang="en-US" dirty="0"/>
+          </a:p>
+        </p:txBody>
+      </p:sp>
+      <p:sp>
+        <p:nvSpPr>
+          <p:cNvPr id="3" name="Text Placeholder 2"/>
+          <p:cNvSpPr>
+            <a:spLocks noGrp="1"/>
+          </p:cNvSpPr>
+          <p:nvPr>
+            <p:ph type="body" sz="half" idx="1"/>
+          </p:nvPr>
+        </p:nvSpPr>
+        <p:spPr/>
+        <p:txBody>
+          <a:bodyPr/>
+          <a:lstStyle/>
+          <a:p>
+            <a:r>
+              <a:rPr lang="en-US" dirty="0" err="1" smtClean="0"/>
+              <a:t>Todo</a:t>
+            </a:r>
+            <a:r>
+              <a:rPr lang="en-US" dirty="0" smtClean="0"/>
+              <a:t> application</a:t>
+            </a:r>
+          </a:p>
+          <a:p>
+            <a:r>
+              <a:rPr lang="en-US" dirty="0" smtClean="0"/>
+              <a:t>With </a:t>
+            </a:r>
+            <a:r>
+              <a:rPr lang="en-US" dirty="0" err="1" smtClean="0"/>
+              <a:t>Laravel</a:t>
+            </a:r>
+            <a:r>
+              <a:rPr lang="en-US" dirty="0" smtClean="0"/>
+              <a:t> Rest </a:t>
+            </a:r>
+            <a:r>
+              <a:rPr lang="en-US" dirty="0" err="1" smtClean="0"/>
+              <a:t>Api</a:t>
+            </a:r>
+            <a:endParaRPr lang="en-US" dirty="0"/>
           </a:p>
         </p:txBody>
       </p:sp>
@@ -8812,314 +8839,403 @@
           <a:chExt cx="0" cy="0"/>
         </a:xfrm>
       </p:grpSpPr>
+      <p:graphicFrame>
+        <p:nvGraphicFramePr>
+          <p:cNvPr id="4" name="Table 3"/>
+          <p:cNvGraphicFramePr>
+            <a:graphicFrameLocks noGrp="1"/>
+          </p:cNvGraphicFramePr>
+          <p:nvPr>
+            <p:extLst>
+              <p:ext uri="{D42A27DB-BD31-4B8C-83A1-F6EECF244321}">
+                <p14:modId xmlns:p14="http://schemas.microsoft.com/office/powerpoint/2010/main" val="1003011106"/>
+              </p:ext>
+            </p:extLst>
+          </p:nvPr>
+        </p:nvGraphicFramePr>
+        <p:xfrm>
+          <a:off x="219804" y="1030166"/>
+          <a:ext cx="8546123" cy="5426112"/>
+        </p:xfrm>
+        <a:graphic>
+          <a:graphicData uri="http://schemas.openxmlformats.org/drawingml/2006/table">
+            <a:tbl>
+              <a:tblPr firstRow="1" bandRow="1">
+                <a:tableStyleId>{B301B821-A1FF-4177-AEE7-76D212191A09}</a:tableStyleId>
+              </a:tblPr>
+              <a:tblGrid>
+                <a:gridCol w="5240216"/>
+                <a:gridCol w="3305907"/>
+              </a:tblGrid>
+              <a:tr h="678264">
+                <a:tc>
+                  <a:txBody>
+                    <a:bodyPr/>
+                    <a:lstStyle/>
+                    <a:p>
+                      <a:pPr algn="l"/>
+                      <a:r>
+                        <a:rPr lang="en-US" sz="2400" dirty="0" smtClean="0"/>
+                        <a:t>API </a:t>
+                      </a:r>
+                      <a:r>
+                        <a:rPr lang="en-US" sz="2400" dirty="0" err="1" smtClean="0"/>
+                        <a:t>Url</a:t>
+                      </a:r>
+                      <a:endParaRPr lang="en-US" sz="2400" dirty="0"/>
+                    </a:p>
+                  </a:txBody>
+                  <a:tcPr/>
+                </a:tc>
+                <a:tc>
+                  <a:txBody>
+                    <a:bodyPr/>
+                    <a:lstStyle/>
+                    <a:p>
+                      <a:pPr algn="ctr"/>
+                      <a:r>
+                        <a:rPr lang="en-US" sz="2400" dirty="0" smtClean="0"/>
+                        <a:t>Rest Verb</a:t>
+                      </a:r>
+                      <a:endParaRPr lang="en-US" sz="2400" dirty="0"/>
+                    </a:p>
+                  </a:txBody>
+                  <a:tcPr/>
+                </a:tc>
+              </a:tr>
+              <a:tr h="678264">
+                <a:tc>
+                  <a:txBody>
+                    <a:bodyPr/>
+                    <a:lstStyle/>
+                    <a:p>
+                      <a:pPr algn="l"/>
+                      <a:r>
+                        <a:rPr lang="en-US" sz="2400" dirty="0" smtClean="0"/>
+                        <a:t>/authenticate</a:t>
+                      </a:r>
+                      <a:endParaRPr lang="en-US" sz="2400" dirty="0"/>
+                    </a:p>
+                  </a:txBody>
+                  <a:tcPr/>
+                </a:tc>
+                <a:tc>
+                  <a:txBody>
+                    <a:bodyPr/>
+                    <a:lstStyle/>
+                    <a:p>
+                      <a:pPr algn="ctr"/>
+                      <a:r>
+                        <a:rPr lang="en-US" sz="2400" dirty="0" smtClean="0"/>
+                        <a:t>Post</a:t>
+                      </a:r>
+                      <a:endParaRPr lang="en-US" sz="2400" dirty="0"/>
+                    </a:p>
+                  </a:txBody>
+                  <a:tcPr/>
+                </a:tc>
+              </a:tr>
+              <a:tr h="678264">
+                <a:tc>
+                  <a:txBody>
+                    <a:bodyPr/>
+                    <a:lstStyle/>
+                    <a:p>
+                      <a:pPr algn="l"/>
+                      <a:r>
+                        <a:rPr lang="en-US" sz="2400" dirty="0" smtClean="0"/>
+                        <a:t>/authenticate/user</a:t>
+                      </a:r>
+                      <a:endParaRPr lang="en-US" sz="2400" dirty="0"/>
+                    </a:p>
+                  </a:txBody>
+                  <a:tcPr/>
+                </a:tc>
+                <a:tc>
+                  <a:txBody>
+                    <a:bodyPr/>
+                    <a:lstStyle/>
+                    <a:p>
+                      <a:pPr algn="ctr"/>
+                      <a:r>
+                        <a:rPr lang="en-US" sz="2400" dirty="0" smtClean="0"/>
+                        <a:t>Get</a:t>
+                      </a:r>
+                      <a:endParaRPr lang="en-US" sz="2400" dirty="0"/>
+                    </a:p>
+                  </a:txBody>
+                  <a:tcPr/>
+                </a:tc>
+              </a:tr>
+              <a:tr h="678264">
+                <a:tc>
+                  <a:txBody>
+                    <a:bodyPr/>
+                    <a:lstStyle/>
+                    <a:p>
+                      <a:pPr algn="l"/>
+                      <a:r>
+                        <a:rPr lang="en-US" sz="2400" dirty="0" smtClean="0"/>
+                        <a:t>/register</a:t>
+                      </a:r>
+                      <a:endParaRPr lang="en-US" sz="2400" dirty="0"/>
+                    </a:p>
+                  </a:txBody>
+                  <a:tcPr/>
+                </a:tc>
+                <a:tc>
+                  <a:txBody>
+                    <a:bodyPr/>
+                    <a:lstStyle/>
+                    <a:p>
+                      <a:pPr algn="ctr"/>
+                      <a:r>
+                        <a:rPr lang="en-US" sz="2400" dirty="0" smtClean="0"/>
+                        <a:t>Post</a:t>
+                      </a:r>
+                      <a:endParaRPr lang="en-US" sz="2400" dirty="0"/>
+                    </a:p>
+                  </a:txBody>
+                  <a:tcPr/>
+                </a:tc>
+              </a:tr>
+              <a:tr h="678264">
+                <a:tc>
+                  <a:txBody>
+                    <a:bodyPr/>
+                    <a:lstStyle/>
+                    <a:p>
+                      <a:pPr algn="l"/>
+                      <a:r>
+                        <a:rPr lang="en-US" sz="2400" dirty="0" smtClean="0"/>
+                        <a:t>/</a:t>
+                      </a:r>
+                      <a:r>
+                        <a:rPr lang="en-US" sz="2400" dirty="0" smtClean="0"/>
+                        <a:t>projects</a:t>
+                      </a:r>
+                      <a:endParaRPr lang="en-US" sz="2400" dirty="0"/>
+                    </a:p>
+                  </a:txBody>
+                  <a:tcPr/>
+                </a:tc>
+                <a:tc>
+                  <a:txBody>
+                    <a:bodyPr/>
+                    <a:lstStyle/>
+                    <a:p>
+                      <a:pPr algn="ctr"/>
+                      <a:r>
+                        <a:rPr lang="en-US" sz="2400" dirty="0" smtClean="0"/>
+                        <a:t>Get/Post</a:t>
+                      </a:r>
+                      <a:endParaRPr lang="en-US" sz="2400" dirty="0"/>
+                    </a:p>
+                  </a:txBody>
+                  <a:tcPr/>
+                </a:tc>
+              </a:tr>
+              <a:tr h="678264">
+                <a:tc>
+                  <a:txBody>
+                    <a:bodyPr/>
+                    <a:lstStyle/>
+                    <a:p>
+                      <a:pPr algn="l"/>
+                      <a:r>
+                        <a:rPr lang="en-US" sz="2400" dirty="0" smtClean="0"/>
+                        <a:t>/</a:t>
+                      </a:r>
+                      <a:r>
+                        <a:rPr lang="en-US" sz="2400" dirty="0" smtClean="0"/>
+                        <a:t>project/{id}</a:t>
+                      </a:r>
+                      <a:endParaRPr lang="en-US" sz="2400" dirty="0"/>
+                    </a:p>
+                  </a:txBody>
+                  <a:tcPr/>
+                </a:tc>
+                <a:tc>
+                  <a:txBody>
+                    <a:bodyPr/>
+                    <a:lstStyle/>
+                    <a:p>
+                      <a:pPr algn="ctr"/>
+                      <a:r>
+                        <a:rPr lang="en-US" sz="2400" dirty="0" smtClean="0"/>
+                        <a:t>Get/Delete</a:t>
+                      </a:r>
+                      <a:endParaRPr lang="en-US" sz="2400" dirty="0"/>
+                    </a:p>
+                  </a:txBody>
+                  <a:tcPr/>
+                </a:tc>
+              </a:tr>
+              <a:tr h="678264">
+                <a:tc>
+                  <a:txBody>
+                    <a:bodyPr/>
+                    <a:lstStyle/>
+                    <a:p>
+                      <a:pPr algn="l"/>
+                      <a:r>
+                        <a:rPr lang="en-US" sz="2400" dirty="0" smtClean="0"/>
+                        <a:t>/</a:t>
+                      </a:r>
+                      <a:r>
+                        <a:rPr lang="en-US" sz="2400" dirty="0" smtClean="0"/>
+                        <a:t>project/{id}/tasks</a:t>
+                      </a:r>
+                      <a:endParaRPr lang="en-US" sz="2400" dirty="0"/>
+                    </a:p>
+                  </a:txBody>
+                  <a:tcPr/>
+                </a:tc>
+                <a:tc>
+                  <a:txBody>
+                    <a:bodyPr/>
+                    <a:lstStyle/>
+                    <a:p>
+                      <a:pPr algn="ctr"/>
+                      <a:r>
+                        <a:rPr lang="en-US" sz="2400" dirty="0" smtClean="0"/>
+                        <a:t>Get/Post</a:t>
+                      </a:r>
+                      <a:endParaRPr lang="en-US" sz="2400" dirty="0"/>
+                    </a:p>
+                  </a:txBody>
+                  <a:tcPr/>
+                </a:tc>
+              </a:tr>
+              <a:tr h="678264">
+                <a:tc>
+                  <a:txBody>
+                    <a:bodyPr/>
+                    <a:lstStyle/>
+                    <a:p>
+                      <a:pPr algn="l"/>
+                      <a:r>
+                        <a:rPr lang="en-US" sz="2400" dirty="0" smtClean="0"/>
+                        <a:t>/</a:t>
+                      </a:r>
+                      <a:r>
+                        <a:rPr lang="en-US" sz="2400" dirty="0" smtClean="0"/>
+                        <a:t>project/{id}/task{</a:t>
+                      </a:r>
+                      <a:r>
+                        <a:rPr lang="en-US" sz="2400" dirty="0" err="1" smtClean="0"/>
+                        <a:t>taskid</a:t>
+                      </a:r>
+                      <a:r>
+                        <a:rPr lang="en-US" sz="2400" dirty="0" smtClean="0"/>
+                        <a:t>}</a:t>
+                      </a:r>
+                      <a:endParaRPr lang="en-US" sz="2400" dirty="0"/>
+                    </a:p>
+                  </a:txBody>
+                  <a:tcPr/>
+                </a:tc>
+                <a:tc>
+                  <a:txBody>
+                    <a:bodyPr/>
+                    <a:lstStyle/>
+                    <a:p>
+                      <a:pPr algn="ctr"/>
+                      <a:r>
+                        <a:rPr lang="en-US" sz="2400" dirty="0" smtClean="0"/>
+                        <a:t>Get/Delete</a:t>
+                      </a:r>
+                      <a:endParaRPr lang="en-US" sz="2400" dirty="0"/>
+                    </a:p>
+                  </a:txBody>
+                  <a:tcPr/>
+                </a:tc>
+              </a:tr>
+            </a:tbl>
+          </a:graphicData>
+        </a:graphic>
+      </p:graphicFrame>
       <p:sp>
         <p:nvSpPr>
-          <p:cNvPr id="364" name="Shape 364"/>
-          <p:cNvSpPr/>
+          <p:cNvPr id="6" name="TextBox 5"/>
+          <p:cNvSpPr txBox="1"/>
           <p:nvPr/>
         </p:nvSpPr>
         <p:spPr>
           <a:xfrm>
-            <a:off x="2943823" y="1120494"/>
-            <a:ext cx="3744615" cy="148952"/>
-          </a:xfrm>
-          <a:prstGeom prst="rect">
-            <a:avLst/>
-          </a:prstGeom>
-          <a:ln w="12700">
+            <a:off x="1350501" y="307731"/>
+            <a:ext cx="7058980" cy="584771"/>
+          </a:xfrm>
+          <a:prstGeom prst="rect">
+            <a:avLst/>
+          </a:prstGeom>
+          <a:noFill/>
+          <a:ln w="12700" cap="flat">
+            <a:noFill/>
             <a:miter lim="400000"/>
           </a:ln>
-          <a:extLst>
-            <a:ext uri="{C572A759-6A51-4108-AA02-DFA0A04FC94B}">
-              <ma14:wrappingTextBoxFlag xmlns:ma14="http://schemas.microsoft.com/office/mac/drawingml/2011/main" xmlns="" val="1"/>
-            </a:ext>
-          </a:extLst>
-        </p:spPr>
+          <a:effectLst/>
+          <a:sp3d/>
+        </p:spPr>
+        <p:style>
+          <a:lnRef idx="0">
+            <a:scrgbClr r="0" g="0" b="0"/>
+          </a:lnRef>
+          <a:fillRef idx="0">
+            <a:scrgbClr r="0" g="0" b="0"/>
+          </a:fillRef>
+          <a:effectRef idx="0">
+            <a:scrgbClr r="0" g="0" b="0"/>
+          </a:effectRef>
+          <a:fontRef idx="none"/>
+        </p:style>
         <p:txBody>
-          <a:bodyPr wrap="none" lIns="0" tIns="0" rIns="0" bIns="0">
+          <a:bodyPr rot="0" spcFirstLastPara="1" vertOverflow="overflow" horzOverflow="overflow" vert="horz" wrap="none" lIns="45718" tIns="45718" rIns="45718" bIns="45718" numCol="1" spcCol="38100" rtlCol="0" anchor="t">
             <a:spAutoFit/>
           </a:bodyPr>
           <a:lstStyle/>
           <a:p>
-            <a:pPr>
-              <a:lnSpc>
-                <a:spcPts val="0"/>
-              </a:lnSpc>
-              <a:defRPr sz="5100">
-                <a:solidFill>
-                  <a:srgbClr val="FFFFFF"/>
-                </a:solidFill>
-                <a:latin typeface="Montserrat"/>
-                <a:ea typeface="Montserrat"/>
-                <a:cs typeface="Montserrat"/>
-                <a:sym typeface="Montserrat"/>
-              </a:defRPr>
-            </a:pPr>
-            <a:r>
-              <a:rPr lang="en-US" dirty="0" smtClean="0"/>
-              <a:t>Ionic Meetup</a:t>
-            </a:r>
-            <a:endParaRPr dirty="0"/>
-          </a:p>
-        </p:txBody>
-      </p:sp>
-      <p:sp>
-        <p:nvSpPr>
-          <p:cNvPr id="365" name="Shape 365"/>
-          <p:cNvSpPr/>
-          <p:nvPr/>
-        </p:nvSpPr>
-        <p:spPr>
-          <a:xfrm>
-            <a:off x="1200839" y="1797524"/>
-            <a:ext cx="7230581" cy="3590727"/>
-          </a:xfrm>
-          <a:prstGeom prst="rect">
-            <a:avLst/>
-          </a:prstGeom>
-          <a:ln w="12700">
-            <a:miter lim="400000"/>
-          </a:ln>
-          <a:extLst>
-            <a:ext uri="{C572A759-6A51-4108-AA02-DFA0A04FC94B}">
-              <ma14:wrappingTextBoxFlag xmlns:ma14="http://schemas.microsoft.com/office/mac/drawingml/2011/main" xmlns="" val="1"/>
-            </a:ext>
-          </a:extLst>
-        </p:spPr>
-        <p:txBody>
-          <a:bodyPr wrap="square" lIns="0" tIns="0" rIns="0" bIns="0">
-            <a:spAutoFit/>
-          </a:bodyPr>
-          <a:lstStyle/>
-          <a:p>
-            <a:pPr>
-              <a:lnSpc>
-                <a:spcPts val="2800"/>
-              </a:lnSpc>
-              <a:defRPr sz="2400">
-                <a:solidFill>
-                  <a:srgbClr val="FFFFFF"/>
-                </a:solidFill>
-                <a:latin typeface="Calibri"/>
-                <a:ea typeface="Calibri"/>
-                <a:cs typeface="Calibri"/>
-                <a:sym typeface="Calibri"/>
-              </a:defRPr>
-            </a:pPr>
-            <a:r>
-              <a:rPr lang="en-US" sz="3600" dirty="0" smtClean="0"/>
-              <a:t>When: last Tuesday of the month</a:t>
-            </a:r>
-            <a:br>
-              <a:rPr lang="en-US" sz="3600" dirty="0" smtClean="0"/>
-            </a:br>
-            <a:endParaRPr lang="en-US" sz="3600" dirty="0" smtClean="0"/>
-          </a:p>
-          <a:p>
-            <a:pPr>
-              <a:lnSpc>
-                <a:spcPts val="2800"/>
-              </a:lnSpc>
-              <a:defRPr sz="2400">
-                <a:solidFill>
-                  <a:srgbClr val="FFFFFF"/>
-                </a:solidFill>
-                <a:latin typeface="Calibri"/>
-                <a:ea typeface="Calibri"/>
-                <a:cs typeface="Calibri"/>
-                <a:sym typeface="Calibri"/>
-              </a:defRPr>
-            </a:pPr>
-            <a:r>
-              <a:rPr lang="en-US" sz="3600" dirty="0" smtClean="0"/>
-              <a:t>Time: 6:30-9pm</a:t>
-            </a:r>
-            <a:br>
-              <a:rPr lang="en-US" sz="3600" dirty="0" smtClean="0"/>
-            </a:br>
-            <a:endParaRPr lang="en-US" sz="3600" dirty="0" smtClean="0"/>
-          </a:p>
-          <a:p>
-            <a:pPr>
-              <a:lnSpc>
-                <a:spcPts val="2800"/>
-              </a:lnSpc>
-              <a:defRPr sz="2400">
-                <a:solidFill>
-                  <a:srgbClr val="FFFFFF"/>
-                </a:solidFill>
-                <a:latin typeface="Calibri"/>
-                <a:ea typeface="Calibri"/>
-                <a:cs typeface="Calibri"/>
-                <a:sym typeface="Calibri"/>
-              </a:defRPr>
-            </a:pPr>
-            <a:r>
-              <a:rPr lang="en-US" sz="3600" dirty="0" smtClean="0"/>
-              <a:t>Location: Scottsdale and Chaparral </a:t>
-            </a:r>
-            <a:endParaRPr lang="en-US" sz="3600" dirty="0"/>
-          </a:p>
-          <a:p>
-            <a:pPr>
-              <a:lnSpc>
-                <a:spcPts val="2800"/>
-              </a:lnSpc>
-              <a:defRPr sz="2400">
-                <a:solidFill>
-                  <a:srgbClr val="FFFFFF"/>
-                </a:solidFill>
-                <a:latin typeface="Calibri"/>
-                <a:ea typeface="Calibri"/>
-                <a:cs typeface="Calibri"/>
-                <a:sym typeface="Calibri"/>
-              </a:defRPr>
-            </a:pPr>
-            <a:endParaRPr lang="en-US" sz="3200" dirty="0" smtClean="0"/>
-          </a:p>
-          <a:p>
-            <a:pPr>
-              <a:lnSpc>
-                <a:spcPts val="2800"/>
-              </a:lnSpc>
-              <a:defRPr sz="2400">
-                <a:solidFill>
-                  <a:srgbClr val="FFFFFF"/>
-                </a:solidFill>
-                <a:latin typeface="Calibri"/>
-                <a:ea typeface="Calibri"/>
-                <a:cs typeface="Calibri"/>
-                <a:sym typeface="Calibri"/>
-              </a:defRPr>
-            </a:pPr>
-            <a:r>
-              <a:rPr lang="en-US" sz="3600" b="1" dirty="0">
-                <a:solidFill>
-                  <a:srgbClr val="FFFF00"/>
-                </a:solidFill>
+            <a:r>
+              <a:rPr lang="en-US" sz="3200" dirty="0">
                 <a:hlinkClick r:id="rId2"/>
               </a:rPr>
-              <a:t>http://meetup.com/ionic-az</a:t>
-            </a:r>
-            <a:endParaRPr lang="en-US" sz="3600" b="1" dirty="0">
+              <a:t>http://</a:t>
+            </a:r>
+            <a:r>
+              <a:rPr lang="en-US" sz="3200" dirty="0" smtClean="0">
+                <a:hlinkClick r:id="rId2"/>
+              </a:rPr>
+              <a:t>laraveltodo.herokuapp.com/api/</a:t>
+            </a:r>
+            <a:r>
+              <a:rPr lang="en-US" sz="3200" dirty="0" smtClean="0"/>
+              <a:t>  </a:t>
+            </a:r>
+            <a:endParaRPr kumimoji="0" lang="en-US" sz="3200" b="0" i="0" u="none" strike="noStrike" cap="none" spc="0" normalizeH="0" baseline="0" dirty="0">
+              <a:ln>
+                <a:noFill/>
+              </a:ln>
               <a:solidFill>
-                <a:srgbClr val="FFFF00"/>
+                <a:srgbClr val="000000"/>
               </a:solidFill>
+              <a:effectLst/>
+              <a:uFillTx/>
+              <a:sym typeface="Helvetica"/>
             </a:endParaRPr>
-          </a:p>
-          <a:p>
-            <a:pPr>
-              <a:lnSpc>
-                <a:spcPts val="2800"/>
-              </a:lnSpc>
-              <a:defRPr sz="2400">
-                <a:solidFill>
-                  <a:srgbClr val="FFFFFF"/>
-                </a:solidFill>
-                <a:latin typeface="Calibri"/>
-                <a:ea typeface="Calibri"/>
-                <a:cs typeface="Calibri"/>
-                <a:sym typeface="Calibri"/>
-              </a:defRPr>
-            </a:pPr>
-            <a:endParaRPr lang="en-US" sz="3200" dirty="0"/>
-          </a:p>
-          <a:p>
-            <a:pPr>
-              <a:lnSpc>
-                <a:spcPts val="2800"/>
-              </a:lnSpc>
-              <a:defRPr sz="2400">
-                <a:solidFill>
-                  <a:srgbClr val="FFFFFF"/>
-                </a:solidFill>
-                <a:latin typeface="Calibri"/>
-                <a:ea typeface="Calibri"/>
-                <a:cs typeface="Calibri"/>
-                <a:sym typeface="Calibri"/>
-              </a:defRPr>
-            </a:pPr>
-            <a:endParaRPr lang="en-US" sz="3200" dirty="0"/>
-          </a:p>
-          <a:p>
-            <a:pPr>
-              <a:lnSpc>
-                <a:spcPts val="2800"/>
-              </a:lnSpc>
-              <a:defRPr sz="2400">
-                <a:solidFill>
-                  <a:srgbClr val="FFFFFF"/>
-                </a:solidFill>
-                <a:latin typeface="Calibri"/>
-                <a:ea typeface="Calibri"/>
-                <a:cs typeface="Calibri"/>
-                <a:sym typeface="Calibri"/>
-              </a:defRPr>
-            </a:pPr>
-            <a:endParaRPr sz="3200" dirty="0"/>
-          </a:p>
-        </p:txBody>
-      </p:sp>
-      <p:sp>
-        <p:nvSpPr>
-          <p:cNvPr id="366" name="Shape 366"/>
-          <p:cNvSpPr/>
-          <p:nvPr/>
-        </p:nvSpPr>
-        <p:spPr>
-          <a:xfrm>
-            <a:off x="4155445" y="4362374"/>
-            <a:ext cx="64" cy="359073"/>
-          </a:xfrm>
-          <a:prstGeom prst="rect">
-            <a:avLst/>
-          </a:prstGeom>
-          <a:ln w="12700">
-            <a:miter lim="400000"/>
-          </a:ln>
-          <a:extLst>
-            <a:ext uri="{C572A759-6A51-4108-AA02-DFA0A04FC94B}">
-              <ma14:wrappingTextBoxFlag xmlns:ma14="http://schemas.microsoft.com/office/mac/drawingml/2011/main" xmlns="" val="1"/>
-            </a:ext>
-          </a:extLst>
-        </p:spPr>
-        <p:txBody>
-          <a:bodyPr wrap="none" lIns="0" tIns="0" rIns="0" bIns="0">
-            <a:spAutoFit/>
-          </a:bodyPr>
-          <a:lstStyle/>
-          <a:p>
-            <a:pPr algn="ctr">
-              <a:lnSpc>
-                <a:spcPts val="2800"/>
-              </a:lnSpc>
-              <a:defRPr sz="2400">
-                <a:solidFill>
-                  <a:srgbClr val="FFFFFF"/>
-                </a:solidFill>
-                <a:latin typeface="Calibri"/>
-                <a:ea typeface="Calibri"/>
-                <a:cs typeface="Calibri"/>
-                <a:sym typeface="Calibri"/>
-              </a:defRPr>
-            </a:pPr>
-            <a:endParaRPr dirty="0"/>
           </a:p>
         </p:txBody>
       </p:sp>
     </p:spTree>
+    <p:extLst>
+      <p:ext uri="{BB962C8B-B14F-4D97-AF65-F5344CB8AC3E}">
+        <p14:creationId xmlns:p14="http://schemas.microsoft.com/office/powerpoint/2010/main" val="167851530"/>
+      </p:ext>
+    </p:extLst>
   </p:cSld>
   <p:clrMapOvr>
     <a:masterClrMapping/>
   </p:clrMapOvr>
-  <p:transition spd="slow"/>
-  <p:timing>
-    <p:tnLst>
-      <p:par>
-        <p:cTn id="1" dur="indefinite" restart="never" nodeType="tmRoot"/>
-      </p:par>
-    </p:tnLst>
-  </p:timing>
+  <p:transition spd="med"/>
 </p:sld>
 </file>
 
@@ -9149,7 +9265,7 @@
         <p:spPr>
           <a:xfrm>
             <a:off x="2943823" y="1120494"/>
-            <a:ext cx="2821404" cy="936359"/>
+            <a:ext cx="3744615" cy="148952"/>
           </a:xfrm>
           <a:prstGeom prst="rect">
             <a:avLst/>
@@ -9159,7 +9275,7 @@
           </a:ln>
           <a:extLst>
             <a:ext uri="{C572A759-6A51-4108-AA02-DFA0A04FC94B}">
-              <ma14:wrappingTextBoxFlag xmlns:ma14="http://schemas.microsoft.com/office/mac/drawingml/2011/main" xmlns="" val="1"/>
+              <ma14:wrappingTextBoxFlag xmlns="" xmlns:ma14="http://schemas.microsoft.com/office/mac/drawingml/2011/main" val="1"/>
             </a:ext>
           </a:extLst>
         </p:spPr>
@@ -9171,35 +9287,23 @@
           <a:p>
             <a:pPr>
               <a:lnSpc>
-                <a:spcPts val="6200"/>
+                <a:spcPts val="0"/>
               </a:lnSpc>
               <a:defRPr sz="5100">
+                <a:solidFill>
+                  <a:srgbClr val="FFFFFF"/>
+                </a:solidFill>
                 <a:latin typeface="Montserrat"/>
                 <a:ea typeface="Montserrat"/>
                 <a:cs typeface="Montserrat"/>
                 <a:sym typeface="Montserrat"/>
               </a:defRPr>
             </a:pPr>
-            <a:endParaRPr/>
-          </a:p>
-          <a:p>
-            <a:pPr>
-              <a:lnSpc>
-                <a:spcPts val="0"/>
-              </a:lnSpc>
-              <a:defRPr sz="5100">
-                <a:solidFill>
-                  <a:srgbClr val="FFFFFF"/>
-                </a:solidFill>
-                <a:latin typeface="Montserrat"/>
-                <a:ea typeface="Montserrat"/>
-                <a:cs typeface="Montserrat"/>
-                <a:sym typeface="Montserrat"/>
-              </a:defRPr>
-            </a:pPr>
-            <a:r>
-              <a:t>thank you</a:t>
-            </a:r>
+            <a:r>
+              <a:rPr lang="en-US" dirty="0" smtClean="0"/>
+              <a:t>Ionic Meetup</a:t>
+            </a:r>
+            <a:endParaRPr dirty="0"/>
           </a:p>
         </p:txBody>
       </p:sp>
@@ -9211,8 +9315,8 @@
         </p:nvSpPr>
         <p:spPr>
           <a:xfrm>
-            <a:off x="1392953" y="2555565"/>
-            <a:ext cx="5525047" cy="1308096"/>
+            <a:off x="1200839" y="1797524"/>
+            <a:ext cx="7230581" cy="3590727"/>
           </a:xfrm>
           <a:prstGeom prst="rect">
             <a:avLst/>
@@ -9222,17 +9326,17 @@
           </a:ln>
           <a:extLst>
             <a:ext uri="{C572A759-6A51-4108-AA02-DFA0A04FC94B}">
-              <ma14:wrappingTextBoxFlag xmlns:ma14="http://schemas.microsoft.com/office/mac/drawingml/2011/main" xmlns="" val="1"/>
+              <ma14:wrappingTextBoxFlag xmlns="" xmlns:ma14="http://schemas.microsoft.com/office/mac/drawingml/2011/main" val="1"/>
             </a:ext>
           </a:extLst>
         </p:spPr>
         <p:txBody>
-          <a:bodyPr wrap="none" lIns="0" tIns="0" rIns="0" bIns="0">
+          <a:bodyPr wrap="square" lIns="0" tIns="0" rIns="0" bIns="0">
             <a:spAutoFit/>
           </a:bodyPr>
           <a:lstStyle/>
           <a:p>
-            <a:pPr algn="ctr">
+            <a:pPr>
               <a:lnSpc>
                 <a:spcPts val="2800"/>
               </a:lnSpc>
@@ -9247,57 +9351,156 @@
               </a:defRPr>
             </a:pPr>
             <a:r>
-              <a:rPr dirty="0"/>
-              <a:t>Justin James</a:t>
-            </a:r>
+              <a:rPr lang="en-US" sz="3600" dirty="0" smtClean="0"/>
+              <a:t>When: last Tuesday of the month</a:t>
+            </a:r>
+            <a:br>
+              <a:rPr lang="en-US" sz="3600" dirty="0" smtClean="0"/>
+            </a:br>
+            <a:endParaRPr lang="en-US" sz="3600" dirty="0" smtClean="0"/>
           </a:p>
           <a:p>
             <a:pPr>
               <a:lnSpc>
                 <a:spcPts val="2800"/>
               </a:lnSpc>
-              <a:defRPr sz="2000">
+              <a:defRPr sz="2400">
                 <a:solidFill>
                   <a:srgbClr val="FFFFFF"/>
                 </a:solidFill>
-                <a:latin typeface="OpenSans"/>
-                <a:ea typeface="OpenSans"/>
-                <a:cs typeface="OpenSans"/>
-                <a:sym typeface="OpenSans"/>
-              </a:defRPr>
-            </a:pPr>
-            <a:r>
-              <a:rPr dirty="0"/>
-              <a:t>@</a:t>
-            </a:r>
-            <a:r>
-              <a:rPr dirty="0" err="1"/>
-              <a:t>digitaldrummerj</a:t>
-            </a:r>
-            <a:r>
-              <a:rPr dirty="0"/>
-              <a:t> - digitaldrummerj@gmail.com </a:t>
-            </a:r>
-          </a:p>
-          <a:p>
-            <a:pPr indent="1446761">
+                <a:latin typeface="Calibri"/>
+                <a:ea typeface="Calibri"/>
+                <a:cs typeface="Calibri"/>
+                <a:sym typeface="Calibri"/>
+              </a:defRPr>
+            </a:pPr>
+            <a:r>
+              <a:rPr lang="en-US" sz="3600" dirty="0" smtClean="0"/>
+              <a:t>Time: 6:30-9pm</a:t>
+            </a:r>
+            <a:br>
+              <a:rPr lang="en-US" sz="3600" dirty="0" smtClean="0"/>
+            </a:br>
+            <a:endParaRPr lang="en-US" sz="3600" dirty="0" smtClean="0"/>
+          </a:p>
+          <a:p>
+            <a:pPr>
               <a:lnSpc>
-                <a:spcPts val="5300"/>
+                <a:spcPts val="2800"/>
               </a:lnSpc>
-              <a:defRPr sz="2000">
+              <a:defRPr sz="2400">
                 <a:solidFill>
                   <a:srgbClr val="FFFFFF"/>
                 </a:solidFill>
-                <a:latin typeface="OpenSans"/>
-                <a:ea typeface="OpenSans"/>
-                <a:cs typeface="OpenSans"/>
-                <a:sym typeface="OpenSans"/>
-              </a:defRPr>
-            </a:pPr>
-            <a:r>
-              <a:rPr dirty="0"/>
-              <a:t>http://digitaldrummerj.me</a:t>
-            </a:r>
+                <a:latin typeface="Calibri"/>
+                <a:ea typeface="Calibri"/>
+                <a:cs typeface="Calibri"/>
+                <a:sym typeface="Calibri"/>
+              </a:defRPr>
+            </a:pPr>
+            <a:r>
+              <a:rPr lang="en-US" sz="3600" dirty="0" smtClean="0"/>
+              <a:t>Location: Scottsdale and Chaparral </a:t>
+            </a:r>
+            <a:endParaRPr lang="en-US" sz="3600" dirty="0"/>
+          </a:p>
+          <a:p>
+            <a:pPr>
+              <a:lnSpc>
+                <a:spcPts val="2800"/>
+              </a:lnSpc>
+              <a:defRPr sz="2400">
+                <a:solidFill>
+                  <a:srgbClr val="FFFFFF"/>
+                </a:solidFill>
+                <a:latin typeface="Calibri"/>
+                <a:ea typeface="Calibri"/>
+                <a:cs typeface="Calibri"/>
+                <a:sym typeface="Calibri"/>
+              </a:defRPr>
+            </a:pPr>
+            <a:endParaRPr lang="en-US" sz="3200" dirty="0" smtClean="0"/>
+          </a:p>
+          <a:p>
+            <a:pPr>
+              <a:lnSpc>
+                <a:spcPts val="2800"/>
+              </a:lnSpc>
+              <a:defRPr sz="2400">
+                <a:solidFill>
+                  <a:srgbClr val="FFFFFF"/>
+                </a:solidFill>
+                <a:latin typeface="Calibri"/>
+                <a:ea typeface="Calibri"/>
+                <a:cs typeface="Calibri"/>
+                <a:sym typeface="Calibri"/>
+              </a:defRPr>
+            </a:pPr>
+            <a:r>
+              <a:rPr lang="en-US" sz="3600" b="1" dirty="0">
+                <a:solidFill>
+                  <a:srgbClr val="FFFF00"/>
+                </a:solidFill>
+                <a:hlinkClick r:id="rId2"/>
+              </a:rPr>
+              <a:t>http://meetup.com/ionic-az</a:t>
+            </a:r>
+            <a:endParaRPr lang="en-US" sz="3600" b="1" dirty="0">
+              <a:solidFill>
+                <a:srgbClr val="FFFF00"/>
+              </a:solidFill>
+            </a:endParaRPr>
+          </a:p>
+          <a:p>
+            <a:pPr>
+              <a:lnSpc>
+                <a:spcPts val="2800"/>
+              </a:lnSpc>
+              <a:defRPr sz="2400">
+                <a:solidFill>
+                  <a:srgbClr val="FFFFFF"/>
+                </a:solidFill>
+                <a:latin typeface="Calibri"/>
+                <a:ea typeface="Calibri"/>
+                <a:cs typeface="Calibri"/>
+                <a:sym typeface="Calibri"/>
+              </a:defRPr>
+            </a:pPr>
+            <a:endParaRPr lang="en-US" sz="3200" dirty="0"/>
+          </a:p>
+          <a:p>
+            <a:pPr>
+              <a:lnSpc>
+                <a:spcPts val="2800"/>
+              </a:lnSpc>
+              <a:defRPr sz="2400">
+                <a:solidFill>
+                  <a:srgbClr val="FFFFFF"/>
+                </a:solidFill>
+                <a:latin typeface="Calibri"/>
+                <a:ea typeface="Calibri"/>
+                <a:cs typeface="Calibri"/>
+                <a:sym typeface="Calibri"/>
+              </a:defRPr>
+            </a:pPr>
+            <a:endParaRPr lang="en-US" sz="3200" dirty="0"/>
+          </a:p>
+          <a:p>
+            <a:pPr>
+              <a:lnSpc>
+                <a:spcPts val="2800"/>
+              </a:lnSpc>
+              <a:defRPr sz="2400">
+                <a:solidFill>
+                  <a:srgbClr val="FFFFFF"/>
+                </a:solidFill>
+                <a:latin typeface="Calibri"/>
+                <a:ea typeface="Calibri"/>
+                <a:cs typeface="Calibri"/>
+                <a:sym typeface="Calibri"/>
+              </a:defRPr>
+            </a:pPr>
+            <a:endParaRPr sz="3200" dirty="0"/>
           </a:p>
         </p:txBody>
       </p:sp>
@@ -9309,8 +9512,8 @@
         </p:nvSpPr>
         <p:spPr>
           <a:xfrm>
-            <a:off x="2505010" y="4362374"/>
-            <a:ext cx="3300935" cy="1409696"/>
+            <a:off x="4155445" y="4362374"/>
+            <a:ext cx="64" cy="359073"/>
           </a:xfrm>
           <a:prstGeom prst="rect">
             <a:avLst/>
@@ -9320,7 +9523,7 @@
           </a:ln>
           <a:extLst>
             <a:ext uri="{C572A759-6A51-4108-AA02-DFA0A04FC94B}">
-              <ma14:wrappingTextBoxFlag xmlns:ma14="http://schemas.microsoft.com/office/mac/drawingml/2011/main" xmlns="" val="1"/>
+              <ma14:wrappingTextBoxFlag xmlns="" xmlns:ma14="http://schemas.microsoft.com/office/mac/drawingml/2011/main" val="1"/>
             </a:ext>
           </a:extLst>
         </p:spPr>
@@ -9344,75 +9547,11 @@
                 <a:sym typeface="Calibri"/>
               </a:defRPr>
             </a:pPr>
-            <a:r>
-              <a:t>Michael Iglesias</a:t>
-            </a:r>
-          </a:p>
-          <a:p>
-            <a:pPr algn="ctr">
-              <a:lnSpc>
-                <a:spcPts val="2800"/>
-              </a:lnSpc>
-              <a:defRPr sz="2000">
-                <a:solidFill>
-                  <a:srgbClr val="FFFFFF"/>
-                </a:solidFill>
-                <a:latin typeface="OpenSans"/>
-                <a:ea typeface="OpenSans"/>
-                <a:cs typeface="OpenSans"/>
-                <a:sym typeface="OpenSans"/>
-              </a:defRPr>
-            </a:pPr>
-            <a:r>
-              <a:t> Mike.Iglesias11@gmail.com</a:t>
-            </a:r>
-          </a:p>
-          <a:p>
-            <a:pPr algn="ctr">
-              <a:lnSpc>
-                <a:spcPts val="2800"/>
-              </a:lnSpc>
-              <a:defRPr sz="2000">
-                <a:solidFill>
-                  <a:srgbClr val="FFFFFF"/>
-                </a:solidFill>
-                <a:latin typeface="OpenSans"/>
-                <a:ea typeface="OpenSans"/>
-                <a:cs typeface="OpenSans"/>
-                <a:sym typeface="OpenSans"/>
-              </a:defRPr>
-            </a:pPr>
-            <a:r>
-              <a:t> </a:t>
-            </a:r>
-          </a:p>
-          <a:p>
-            <a:pPr algn="ctr">
-              <a:lnSpc>
-                <a:spcPts val="2800"/>
-              </a:lnSpc>
-              <a:defRPr sz="2000">
-                <a:solidFill>
-                  <a:srgbClr val="FFFFFF"/>
-                </a:solidFill>
-                <a:latin typeface="OpenSans"/>
-                <a:ea typeface="OpenSans"/>
-                <a:cs typeface="OpenSans"/>
-                <a:sym typeface="OpenSans"/>
-              </a:defRPr>
-            </a:pPr>
-            <a:r>
-              <a:t>http://bit.ly/iglesias_linkedin</a:t>
-            </a:r>
+            <a:endParaRPr dirty="0"/>
           </a:p>
         </p:txBody>
       </p:sp>
     </p:spTree>
-    <p:extLst>
-      <p:ext uri="{BB962C8B-B14F-4D97-AF65-F5344CB8AC3E}">
-        <p14:creationId xmlns:p14="http://schemas.microsoft.com/office/powerpoint/2010/main" val="1049704669"/>
-      </p:ext>
-    </p:extLst>
   </p:cSld>
   <p:clrMapOvr>
     <a:masterClrMapping/>
@@ -9447,14 +9586,14 @@
       </p:grpSpPr>
       <p:sp>
         <p:nvSpPr>
-          <p:cNvPr id="370" name="Shape 370"/>
+          <p:cNvPr id="364" name="Shape 364"/>
           <p:cNvSpPr/>
           <p:nvPr/>
         </p:nvSpPr>
         <p:spPr>
           <a:xfrm>
-            <a:off x="2249141" y="1120494"/>
-            <a:ext cx="4514975" cy="936359"/>
+            <a:off x="2943823" y="1120494"/>
+            <a:ext cx="2821404" cy="936359"/>
           </a:xfrm>
           <a:prstGeom prst="rect">
             <a:avLst/>
@@ -9464,7 +9603,7 @@
           </a:ln>
           <a:extLst>
             <a:ext uri="{C572A759-6A51-4108-AA02-DFA0A04FC94B}">
-              <ma14:wrappingTextBoxFlag xmlns:ma14="http://schemas.microsoft.com/office/mac/drawingml/2011/main" xmlns="" val="1"/>
+              <ma14:wrappingTextBoxFlag xmlns="" xmlns:ma14="http://schemas.microsoft.com/office/mac/drawingml/2011/main" val="1"/>
             </a:ext>
           </a:extLst>
         </p:spPr>
@@ -9503,31 +9642,21 @@
               </a:defRPr>
             </a:pPr>
             <a:r>
-              <a:t>1 480 269 6891</a:t>
+              <a:t>thank you</a:t>
             </a:r>
           </a:p>
         </p:txBody>
       </p:sp>
-      <p:pic>
-        <p:nvPicPr>
-          <p:cNvPr id="371" name="image28.png"/>
-          <p:cNvPicPr>
-            <a:picLocks noChangeAspect="1"/>
-          </p:cNvPicPr>
+      <p:sp>
+        <p:nvSpPr>
+          <p:cNvPr id="365" name="Shape 365"/>
+          <p:cNvSpPr/>
           <p:nvPr/>
-        </p:nvPicPr>
-        <p:blipFill>
-          <a:blip r:embed="rId2">
-            <a:extLst/>
-          </a:blip>
-          <a:stretch>
-            <a:fillRect/>
-          </a:stretch>
-        </p:blipFill>
-        <p:spPr>
-          <a:xfrm>
-            <a:off x="1879020" y="2234045"/>
-            <a:ext cx="5394616" cy="3662796"/>
+        </p:nvSpPr>
+        <p:spPr>
+          <a:xfrm>
+            <a:off x="1392953" y="2555565"/>
+            <a:ext cx="5525047" cy="1308096"/>
           </a:xfrm>
           <a:prstGeom prst="rect">
             <a:avLst/>
@@ -9535,14 +9664,211 @@
           <a:ln w="12700">
             <a:miter lim="400000"/>
           </a:ln>
-        </p:spPr>
-      </p:pic>
+          <a:extLst>
+            <a:ext uri="{C572A759-6A51-4108-AA02-DFA0A04FC94B}">
+              <ma14:wrappingTextBoxFlag xmlns="" xmlns:ma14="http://schemas.microsoft.com/office/mac/drawingml/2011/main" val="1"/>
+            </a:ext>
+          </a:extLst>
+        </p:spPr>
+        <p:txBody>
+          <a:bodyPr wrap="none" lIns="0" tIns="0" rIns="0" bIns="0">
+            <a:spAutoFit/>
+          </a:bodyPr>
+          <a:lstStyle/>
+          <a:p>
+            <a:pPr algn="ctr">
+              <a:lnSpc>
+                <a:spcPts val="2800"/>
+              </a:lnSpc>
+              <a:defRPr sz="2400">
+                <a:solidFill>
+                  <a:srgbClr val="FFFFFF"/>
+                </a:solidFill>
+                <a:latin typeface="Calibri"/>
+                <a:ea typeface="Calibri"/>
+                <a:cs typeface="Calibri"/>
+                <a:sym typeface="Calibri"/>
+              </a:defRPr>
+            </a:pPr>
+            <a:r>
+              <a:rPr dirty="0"/>
+              <a:t>Justin James</a:t>
+            </a:r>
+          </a:p>
+          <a:p>
+            <a:pPr>
+              <a:lnSpc>
+                <a:spcPts val="2800"/>
+              </a:lnSpc>
+              <a:defRPr sz="2000">
+                <a:solidFill>
+                  <a:srgbClr val="FFFFFF"/>
+                </a:solidFill>
+                <a:latin typeface="OpenSans"/>
+                <a:ea typeface="OpenSans"/>
+                <a:cs typeface="OpenSans"/>
+                <a:sym typeface="OpenSans"/>
+              </a:defRPr>
+            </a:pPr>
+            <a:r>
+              <a:rPr dirty="0"/>
+              <a:t>@</a:t>
+            </a:r>
+            <a:r>
+              <a:rPr dirty="0" err="1"/>
+              <a:t>digitaldrummerj</a:t>
+            </a:r>
+            <a:r>
+              <a:rPr dirty="0"/>
+              <a:t> - digitaldrummerj@gmail.com </a:t>
+            </a:r>
+          </a:p>
+          <a:p>
+            <a:pPr indent="1446761">
+              <a:lnSpc>
+                <a:spcPts val="5300"/>
+              </a:lnSpc>
+              <a:defRPr sz="2000">
+                <a:solidFill>
+                  <a:srgbClr val="FFFFFF"/>
+                </a:solidFill>
+                <a:latin typeface="OpenSans"/>
+                <a:ea typeface="OpenSans"/>
+                <a:cs typeface="OpenSans"/>
+                <a:sym typeface="OpenSans"/>
+              </a:defRPr>
+            </a:pPr>
+            <a:r>
+              <a:rPr dirty="0"/>
+              <a:t>http://digitaldrummerj.me</a:t>
+            </a:r>
+          </a:p>
+        </p:txBody>
+      </p:sp>
+      <p:sp>
+        <p:nvSpPr>
+          <p:cNvPr id="366" name="Shape 366"/>
+          <p:cNvSpPr/>
+          <p:nvPr/>
+        </p:nvSpPr>
+        <p:spPr>
+          <a:xfrm>
+            <a:off x="2505010" y="4362374"/>
+            <a:ext cx="3300935" cy="1409696"/>
+          </a:xfrm>
+          <a:prstGeom prst="rect">
+            <a:avLst/>
+          </a:prstGeom>
+          <a:ln w="12700">
+            <a:miter lim="400000"/>
+          </a:ln>
+          <a:extLst>
+            <a:ext uri="{C572A759-6A51-4108-AA02-DFA0A04FC94B}">
+              <ma14:wrappingTextBoxFlag xmlns="" xmlns:ma14="http://schemas.microsoft.com/office/mac/drawingml/2011/main" val="1"/>
+            </a:ext>
+          </a:extLst>
+        </p:spPr>
+        <p:txBody>
+          <a:bodyPr wrap="none" lIns="0" tIns="0" rIns="0" bIns="0">
+            <a:spAutoFit/>
+          </a:bodyPr>
+          <a:lstStyle/>
+          <a:p>
+            <a:pPr algn="ctr">
+              <a:lnSpc>
+                <a:spcPts val="2800"/>
+              </a:lnSpc>
+              <a:defRPr sz="2400">
+                <a:solidFill>
+                  <a:srgbClr val="FFFFFF"/>
+                </a:solidFill>
+                <a:latin typeface="Calibri"/>
+                <a:ea typeface="Calibri"/>
+                <a:cs typeface="Calibri"/>
+                <a:sym typeface="Calibri"/>
+              </a:defRPr>
+            </a:pPr>
+            <a:r>
+              <a:t>Michael Iglesias</a:t>
+            </a:r>
+          </a:p>
+          <a:p>
+            <a:pPr algn="ctr">
+              <a:lnSpc>
+                <a:spcPts val="2800"/>
+              </a:lnSpc>
+              <a:defRPr sz="2000">
+                <a:solidFill>
+                  <a:srgbClr val="FFFFFF"/>
+                </a:solidFill>
+                <a:latin typeface="OpenSans"/>
+                <a:ea typeface="OpenSans"/>
+                <a:cs typeface="OpenSans"/>
+                <a:sym typeface="OpenSans"/>
+              </a:defRPr>
+            </a:pPr>
+            <a:r>
+              <a:t> Mike.Iglesias11@gmail.com</a:t>
+            </a:r>
+          </a:p>
+          <a:p>
+            <a:pPr algn="ctr">
+              <a:lnSpc>
+                <a:spcPts val="2800"/>
+              </a:lnSpc>
+              <a:defRPr sz="2000">
+                <a:solidFill>
+                  <a:srgbClr val="FFFFFF"/>
+                </a:solidFill>
+                <a:latin typeface="OpenSans"/>
+                <a:ea typeface="OpenSans"/>
+                <a:cs typeface="OpenSans"/>
+                <a:sym typeface="OpenSans"/>
+              </a:defRPr>
+            </a:pPr>
+            <a:r>
+              <a:t> </a:t>
+            </a:r>
+          </a:p>
+          <a:p>
+            <a:pPr algn="ctr">
+              <a:lnSpc>
+                <a:spcPts val="2800"/>
+              </a:lnSpc>
+              <a:defRPr sz="2000">
+                <a:solidFill>
+                  <a:srgbClr val="FFFFFF"/>
+                </a:solidFill>
+                <a:latin typeface="OpenSans"/>
+                <a:ea typeface="OpenSans"/>
+                <a:cs typeface="OpenSans"/>
+                <a:sym typeface="OpenSans"/>
+              </a:defRPr>
+            </a:pPr>
+            <a:r>
+              <a:t>http://bit.ly/iglesias_linkedin</a:t>
+            </a:r>
+          </a:p>
+        </p:txBody>
+      </p:sp>
     </p:spTree>
+    <p:extLst>
+      <p:ext uri="{BB962C8B-B14F-4D97-AF65-F5344CB8AC3E}">
+        <p14:creationId xmlns:p14="http://schemas.microsoft.com/office/powerpoint/2010/main" val="1049704669"/>
+      </p:ext>
+    </p:extLst>
   </p:cSld>
   <p:clrMapOvr>
     <a:masterClrMapping/>
   </p:clrMapOvr>
   <p:transition spd="slow"/>
+  <p:timing>
+    <p:tnLst>
+      <p:par>
+        <p:cTn id="1" dur="indefinite" restart="never" nodeType="tmRoot"/>
+      </p:par>
+    </p:tnLst>
+  </p:timing>
 </p:sld>
 </file>
 
@@ -9669,7 +9995,7 @@
           </a:ln>
           <a:extLst>
             <a:ext uri="{C572A759-6A51-4108-AA02-DFA0A04FC94B}">
-              <ma14:wrappingTextBoxFlag xmlns:ma14="http://schemas.microsoft.com/office/mac/drawingml/2011/main" xmlns="" val="1"/>
+              <ma14:wrappingTextBoxFlag xmlns="" xmlns:ma14="http://schemas.microsoft.com/office/mac/drawingml/2011/main" val="1"/>
             </a:ext>
           </a:extLst>
         </p:spPr>
@@ -9710,6 +10036,124 @@
       </p:par>
     </p:tnLst>
   </p:timing>
+</p:sld>
+</file>
+
+<file path=ppt/slides/slide30.xml><?xml version="1.0" encoding="utf-8"?>
+<p:sld xmlns:a="http://schemas.openxmlformats.org/drawingml/2006/main" xmlns:r="http://schemas.openxmlformats.org/officeDocument/2006/relationships" xmlns:p="http://schemas.openxmlformats.org/presentationml/2006/main">
+  <p:cSld>
+    <p:spTree>
+      <p:nvGrpSpPr>
+        <p:cNvPr id="1" name=""/>
+        <p:cNvGrpSpPr/>
+        <p:nvPr/>
+      </p:nvGrpSpPr>
+      <p:grpSpPr>
+        <a:xfrm>
+          <a:off x="0" y="0"/>
+          <a:ext cx="0" cy="0"/>
+          <a:chOff x="0" y="0"/>
+          <a:chExt cx="0" cy="0"/>
+        </a:xfrm>
+      </p:grpSpPr>
+      <p:sp>
+        <p:nvSpPr>
+          <p:cNvPr id="370" name="Shape 370"/>
+          <p:cNvSpPr/>
+          <p:nvPr/>
+        </p:nvSpPr>
+        <p:spPr>
+          <a:xfrm>
+            <a:off x="2249141" y="1120494"/>
+            <a:ext cx="4514975" cy="936359"/>
+          </a:xfrm>
+          <a:prstGeom prst="rect">
+            <a:avLst/>
+          </a:prstGeom>
+          <a:ln w="12700">
+            <a:miter lim="400000"/>
+          </a:ln>
+          <a:extLst>
+            <a:ext uri="{C572A759-6A51-4108-AA02-DFA0A04FC94B}">
+              <ma14:wrappingTextBoxFlag xmlns="" xmlns:ma14="http://schemas.microsoft.com/office/mac/drawingml/2011/main" val="1"/>
+            </a:ext>
+          </a:extLst>
+        </p:spPr>
+        <p:txBody>
+          <a:bodyPr wrap="none" lIns="0" tIns="0" rIns="0" bIns="0">
+            <a:spAutoFit/>
+          </a:bodyPr>
+          <a:lstStyle/>
+          <a:p>
+            <a:pPr>
+              <a:lnSpc>
+                <a:spcPts val="6200"/>
+              </a:lnSpc>
+              <a:defRPr sz="5100">
+                <a:latin typeface="Montserrat"/>
+                <a:ea typeface="Montserrat"/>
+                <a:cs typeface="Montserrat"/>
+                <a:sym typeface="Montserrat"/>
+              </a:defRPr>
+            </a:pPr>
+            <a:endParaRPr/>
+          </a:p>
+          <a:p>
+            <a:pPr>
+              <a:lnSpc>
+                <a:spcPts val="0"/>
+              </a:lnSpc>
+              <a:defRPr sz="5100">
+                <a:solidFill>
+                  <a:srgbClr val="FFFFFF"/>
+                </a:solidFill>
+                <a:latin typeface="Montserrat"/>
+                <a:ea typeface="Montserrat"/>
+                <a:cs typeface="Montserrat"/>
+                <a:sym typeface="Montserrat"/>
+              </a:defRPr>
+            </a:pPr>
+            <a:r>
+              <a:t>1 480 269 6891</a:t>
+            </a:r>
+          </a:p>
+        </p:txBody>
+      </p:sp>
+      <p:pic>
+        <p:nvPicPr>
+          <p:cNvPr id="371" name="image28.png"/>
+          <p:cNvPicPr>
+            <a:picLocks noChangeAspect="1"/>
+          </p:cNvPicPr>
+          <p:nvPr/>
+        </p:nvPicPr>
+        <p:blipFill>
+          <a:blip r:embed="rId2">
+            <a:extLst/>
+          </a:blip>
+          <a:stretch>
+            <a:fillRect/>
+          </a:stretch>
+        </p:blipFill>
+        <p:spPr>
+          <a:xfrm>
+            <a:off x="1879020" y="2234045"/>
+            <a:ext cx="5394616" cy="3662796"/>
+          </a:xfrm>
+          <a:prstGeom prst="rect">
+            <a:avLst/>
+          </a:prstGeom>
+          <a:ln w="12700">
+            <a:miter lim="400000"/>
+          </a:ln>
+        </p:spPr>
+      </p:pic>
+    </p:spTree>
+  </p:cSld>
+  <p:clrMapOvr>
+    <a:masterClrMapping/>
+  </p:clrMapOvr>
+  <p:transition spd="slow"/>
 </p:sld>
 </file>
 
@@ -10344,7 +10788,7 @@
           </a:ln>
           <a:extLst>
             <a:ext uri="{C572A759-6A51-4108-AA02-DFA0A04FC94B}">
-              <ma14:wrappingTextBoxFlag xmlns:ma14="http://schemas.microsoft.com/office/mac/drawingml/2011/main" xmlns="" val="1"/>
+              <ma14:wrappingTextBoxFlag xmlns="" xmlns:ma14="http://schemas.microsoft.com/office/mac/drawingml/2011/main" val="1"/>
             </a:ext>
           </a:extLst>
         </p:spPr>
@@ -10431,7 +10875,7 @@
           </a:ln>
           <a:extLst>
             <a:ext uri="{C572A759-6A51-4108-AA02-DFA0A04FC94B}">
-              <ma14:wrappingTextBoxFlag xmlns:ma14="http://schemas.microsoft.com/office/mac/drawingml/2011/main" xmlns="" val="1"/>
+              <ma14:wrappingTextBoxFlag xmlns="" xmlns:ma14="http://schemas.microsoft.com/office/mac/drawingml/2011/main" val="1"/>
             </a:ext>
           </a:extLst>
         </p:spPr>
@@ -10481,7 +10925,7 @@
           </a:ln>
           <a:extLst>
             <a:ext uri="{C572A759-6A51-4108-AA02-DFA0A04FC94B}">
-              <ma14:wrappingTextBoxFlag xmlns:ma14="http://schemas.microsoft.com/office/mac/drawingml/2011/main" xmlns="" val="1"/>
+              <ma14:wrappingTextBoxFlag xmlns="" xmlns:ma14="http://schemas.microsoft.com/office/mac/drawingml/2011/main" val="1"/>
             </a:ext>
           </a:extLst>
         </p:spPr>
@@ -10622,7 +11066,7 @@
           </a:ln>
           <a:extLst>
             <a:ext uri="{C572A759-6A51-4108-AA02-DFA0A04FC94B}">
-              <ma14:wrappingTextBoxFlag xmlns:ma14="http://schemas.microsoft.com/office/mac/drawingml/2011/main" xmlns="" val="1"/>
+              <ma14:wrappingTextBoxFlag xmlns="" xmlns:ma14="http://schemas.microsoft.com/office/mac/drawingml/2011/main" val="1"/>
             </a:ext>
           </a:extLst>
         </p:spPr>
@@ -10672,7 +11116,7 @@
           </a:ln>
           <a:extLst>
             <a:ext uri="{C572A759-6A51-4108-AA02-DFA0A04FC94B}">
-              <ma14:wrappingTextBoxFlag xmlns:ma14="http://schemas.microsoft.com/office/mac/drawingml/2011/main" xmlns="" val="1"/>
+              <ma14:wrappingTextBoxFlag xmlns="" xmlns:ma14="http://schemas.microsoft.com/office/mac/drawingml/2011/main" val="1"/>
             </a:ext>
           </a:extLst>
         </p:spPr>
@@ -10752,7 +11196,7 @@
           </a:ln>
           <a:extLst>
             <a:ext uri="{C572A759-6A51-4108-AA02-DFA0A04FC94B}">
-              <ma14:wrappingTextBoxFlag xmlns:ma14="http://schemas.microsoft.com/office/mac/drawingml/2011/main" xmlns="" val="1"/>
+              <ma14:wrappingTextBoxFlag xmlns="" xmlns:ma14="http://schemas.microsoft.com/office/mac/drawingml/2011/main" val="1"/>
             </a:ext>
           </a:extLst>
         </p:spPr>
@@ -10799,7 +11243,7 @@
           </a:ln>
           <a:extLst>
             <a:ext uri="{C572A759-6A51-4108-AA02-DFA0A04FC94B}">
-              <ma14:wrappingTextBoxFlag xmlns:ma14="http://schemas.microsoft.com/office/mac/drawingml/2011/main" xmlns="" val="1"/>
+              <ma14:wrappingTextBoxFlag xmlns="" xmlns:ma14="http://schemas.microsoft.com/office/mac/drawingml/2011/main" val="1"/>
             </a:ext>
           </a:extLst>
         </p:spPr>
@@ -10879,7 +11323,7 @@
           </a:ln>
           <a:extLst>
             <a:ext uri="{C572A759-6A51-4108-AA02-DFA0A04FC94B}">
-              <ma14:wrappingTextBoxFlag xmlns:ma14="http://schemas.microsoft.com/office/mac/drawingml/2011/main" xmlns="" val="1"/>
+              <ma14:wrappingTextBoxFlag xmlns="" xmlns:ma14="http://schemas.microsoft.com/office/mac/drawingml/2011/main" val="1"/>
             </a:ext>
           </a:extLst>
         </p:spPr>
@@ -10976,7 +11420,7 @@
           </a:ln>
           <a:extLst>
             <a:ext uri="{C572A759-6A51-4108-AA02-DFA0A04FC94B}">
-              <ma14:wrappingTextBoxFlag xmlns:ma14="http://schemas.microsoft.com/office/mac/drawingml/2011/main" xmlns="" val="1"/>
+              <ma14:wrappingTextBoxFlag xmlns="" xmlns:ma14="http://schemas.microsoft.com/office/mac/drawingml/2011/main" val="1"/>
             </a:ext>
           </a:extLst>
         </p:spPr>
@@ -11288,7 +11732,7 @@
           </a:ln>
           <a:extLst>
             <a:ext uri="{C572A759-6A51-4108-AA02-DFA0A04FC94B}">
-              <ma14:wrappingTextBoxFlag xmlns:ma14="http://schemas.microsoft.com/office/mac/drawingml/2011/main" xmlns="" val="1"/>
+              <ma14:wrappingTextBoxFlag xmlns="" xmlns:ma14="http://schemas.microsoft.com/office/mac/drawingml/2011/main" val="1"/>
             </a:ext>
           </a:extLst>
         </p:spPr>
@@ -11559,7 +12003,7 @@
           </a:ln>
           <a:extLst>
             <a:ext uri="{C572A759-6A51-4108-AA02-DFA0A04FC94B}">
-              <ma14:wrappingTextBoxFlag xmlns:ma14="http://schemas.microsoft.com/office/mac/drawingml/2011/main" xmlns="" val="1"/>
+              <ma14:wrappingTextBoxFlag xmlns="" xmlns:ma14="http://schemas.microsoft.com/office/mac/drawingml/2011/main" val="1"/>
             </a:ext>
           </a:extLst>
         </p:spPr>
@@ -11830,7 +12274,7 @@
           </a:ln>
           <a:extLst>
             <a:ext uri="{C572A759-6A51-4108-AA02-DFA0A04FC94B}">
-              <ma14:wrappingTextBoxFlag xmlns:ma14="http://schemas.microsoft.com/office/mac/drawingml/2011/main" xmlns="" val="1"/>
+              <ma14:wrappingTextBoxFlag xmlns="" xmlns:ma14="http://schemas.microsoft.com/office/mac/drawingml/2011/main" val="1"/>
             </a:ext>
           </a:extLst>
         </p:spPr>
@@ -11880,7 +12324,7 @@
           </a:ln>
           <a:extLst>
             <a:ext uri="{C572A759-6A51-4108-AA02-DFA0A04FC94B}">
-              <ma14:wrappingTextBoxFlag xmlns:ma14="http://schemas.microsoft.com/office/mac/drawingml/2011/main" xmlns="" val="1"/>
+              <ma14:wrappingTextBoxFlag xmlns="" xmlns:ma14="http://schemas.microsoft.com/office/mac/drawingml/2011/main" val="1"/>
             </a:ext>
           </a:extLst>
         </p:spPr>
@@ -11927,7 +12371,7 @@
           </a:ln>
           <a:extLst>
             <a:ext uri="{C572A759-6A51-4108-AA02-DFA0A04FC94B}">
-              <ma14:wrappingTextBoxFlag xmlns:ma14="http://schemas.microsoft.com/office/mac/drawingml/2011/main" xmlns="" val="1"/>
+              <ma14:wrappingTextBoxFlag xmlns="" xmlns:ma14="http://schemas.microsoft.com/office/mac/drawingml/2011/main" val="1"/>
             </a:ext>
           </a:extLst>
         </p:spPr>
@@ -11974,7 +12418,7 @@
           </a:ln>
           <a:extLst>
             <a:ext uri="{C572A759-6A51-4108-AA02-DFA0A04FC94B}">
-              <ma14:wrappingTextBoxFlag xmlns:ma14="http://schemas.microsoft.com/office/mac/drawingml/2011/main" xmlns="" val="1"/>
+              <ma14:wrappingTextBoxFlag xmlns="" xmlns:ma14="http://schemas.microsoft.com/office/mac/drawingml/2011/main" val="1"/>
             </a:ext>
           </a:extLst>
         </p:spPr>
@@ -12021,7 +12465,7 @@
           </a:ln>
           <a:extLst>
             <a:ext uri="{C572A759-6A51-4108-AA02-DFA0A04FC94B}">
-              <ma14:wrappingTextBoxFlag xmlns:ma14="http://schemas.microsoft.com/office/mac/drawingml/2011/main" xmlns="" val="1"/>
+              <ma14:wrappingTextBoxFlag xmlns="" xmlns:ma14="http://schemas.microsoft.com/office/mac/drawingml/2011/main" val="1"/>
             </a:ext>
           </a:extLst>
         </p:spPr>
@@ -12159,7 +12603,7 @@
           </a:ln>
           <a:extLst>
             <a:ext uri="{C572A759-6A51-4108-AA02-DFA0A04FC94B}">
-              <ma14:wrappingTextBoxFlag xmlns:ma14="http://schemas.microsoft.com/office/mac/drawingml/2011/main" xmlns="" val="1"/>
+              <ma14:wrappingTextBoxFlag xmlns="" xmlns:ma14="http://schemas.microsoft.com/office/mac/drawingml/2011/main" val="1"/>
             </a:ext>
           </a:extLst>
         </p:spPr>
